--- a/LT.pptx
+++ b/LT.pptx
@@ -208,7 +208,7 @@
           <a:p>
             <a:fld id="{8A1D203F-AADB-48EA-A1F4-C80E6FCBBCBE}" type="datetimeFigureOut">
               <a:rPr kumimoji="1" lang="ja-JP" altLang="en-US" smtClean="0"/>
-              <a:t>2021/2/24</a:t>
+              <a:t>2021/2/25</a:t>
             </a:fld>
             <a:endParaRPr kumimoji="1" lang="ja-JP" altLang="en-US"/>
           </a:p>
@@ -1198,7 +1198,7 @@
           <a:p>
             <a:fld id="{C7120467-B89E-4A81-8E5E-98618E8F8E41}" type="datetimeFigureOut">
               <a:rPr kumimoji="1" lang="ja-JP" altLang="en-US" smtClean="0"/>
-              <a:t>2021/2/24</a:t>
+              <a:t>2021/2/25</a:t>
             </a:fld>
             <a:endParaRPr kumimoji="1" lang="ja-JP" altLang="en-US"/>
           </a:p>
@@ -1471,7 +1471,7 @@
           <a:p>
             <a:fld id="{C7120467-B89E-4A81-8E5E-98618E8F8E41}" type="datetimeFigureOut">
               <a:rPr kumimoji="1" lang="ja-JP" altLang="en-US" smtClean="0"/>
-              <a:t>2021/2/24</a:t>
+              <a:t>2021/2/25</a:t>
             </a:fld>
             <a:endParaRPr kumimoji="1" lang="ja-JP" altLang="en-US"/>
           </a:p>
@@ -1689,7 +1689,7 @@
           <a:p>
             <a:fld id="{C7120467-B89E-4A81-8E5E-98618E8F8E41}" type="datetimeFigureOut">
               <a:rPr kumimoji="1" lang="ja-JP" altLang="en-US" smtClean="0"/>
-              <a:t>2021/2/24</a:t>
+              <a:t>2021/2/25</a:t>
             </a:fld>
             <a:endParaRPr kumimoji="1" lang="ja-JP" altLang="en-US"/>
           </a:p>
@@ -1917,7 +1917,7 @@
           <a:p>
             <a:fld id="{C7120467-B89E-4A81-8E5E-98618E8F8E41}" type="datetimeFigureOut">
               <a:rPr kumimoji="1" lang="ja-JP" altLang="en-US" smtClean="0"/>
-              <a:t>2021/2/24</a:t>
+              <a:t>2021/2/25</a:t>
             </a:fld>
             <a:endParaRPr kumimoji="1" lang="ja-JP" altLang="en-US"/>
           </a:p>
@@ -3944,7 +3944,7 @@
           <a:p>
             <a:fld id="{C7120467-B89E-4A81-8E5E-98618E8F8E41}" type="datetimeFigureOut">
               <a:rPr kumimoji="1" lang="ja-JP" altLang="en-US" smtClean="0"/>
-              <a:t>2021/2/24</a:t>
+              <a:t>2021/2/25</a:t>
             </a:fld>
             <a:endParaRPr kumimoji="1" lang="ja-JP" altLang="en-US"/>
           </a:p>
@@ -4256,7 +4256,7 @@
           <a:p>
             <a:fld id="{C7120467-B89E-4A81-8E5E-98618E8F8E41}" type="datetimeFigureOut">
               <a:rPr kumimoji="1" lang="ja-JP" altLang="en-US" smtClean="0"/>
-              <a:t>2021/2/24</a:t>
+              <a:t>2021/2/25</a:t>
             </a:fld>
             <a:endParaRPr kumimoji="1" lang="ja-JP" altLang="en-US"/>
           </a:p>
@@ -4703,7 +4703,7 @@
           <a:p>
             <a:fld id="{C7120467-B89E-4A81-8E5E-98618E8F8E41}" type="datetimeFigureOut">
               <a:rPr kumimoji="1" lang="ja-JP" altLang="en-US" smtClean="0"/>
-              <a:t>2021/2/24</a:t>
+              <a:t>2021/2/25</a:t>
             </a:fld>
             <a:endParaRPr kumimoji="1" lang="ja-JP" altLang="en-US"/>
           </a:p>
@@ -4837,7 +4837,7 @@
           <a:p>
             <a:fld id="{C7120467-B89E-4A81-8E5E-98618E8F8E41}" type="datetimeFigureOut">
               <a:rPr kumimoji="1" lang="ja-JP" altLang="en-US" smtClean="0"/>
-              <a:t>2021/2/24</a:t>
+              <a:t>2021/2/25</a:t>
             </a:fld>
             <a:endParaRPr kumimoji="1" lang="ja-JP" altLang="en-US"/>
           </a:p>
@@ -4948,7 +4948,7 @@
           <a:p>
             <a:fld id="{C7120467-B89E-4A81-8E5E-98618E8F8E41}" type="datetimeFigureOut">
               <a:rPr kumimoji="1" lang="ja-JP" altLang="en-US" smtClean="0"/>
-              <a:t>2021/2/24</a:t>
+              <a:t>2021/2/25</a:t>
             </a:fld>
             <a:endParaRPr kumimoji="1" lang="ja-JP" altLang="en-US"/>
           </a:p>
@@ -5763,7 +5763,13 @@
       </p:sp>
       <p:sp>
         <p:nvSpPr>
-          <p:cNvPr id="7" name="コンテンツ プレースホルダー 6"/>
+          <p:cNvPr id="8" name="コンテンツ プレースホルダー 7">
+            <a:extLst>
+              <a:ext uri="{FF2B5EF4-FFF2-40B4-BE49-F238E27FC236}">
+                <a16:creationId xmlns:a16="http://schemas.microsoft.com/office/drawing/2014/main" id="{6972CC20-55BE-4047-B338-A5EC93AE0C31}"/>
+              </a:ext>
+            </a:extLst>
+          </p:cNvPr>
           <p:cNvSpPr>
             <a:spLocks noGrp="1"/>
           </p:cNvSpPr>
@@ -5776,10 +5782,7 @@
           <a:bodyPr/>
           <a:lstStyle/>
           <a:p>
-            <a:r>
-              <a:rPr kumimoji="1" lang="ja-JP" altLang="en-US" dirty="0"/>
-              <a:t>サブタイトル</a:t>
-            </a:r>
+            <a:endParaRPr lang="ja-JP" altLang="en-US"/>
           </a:p>
         </p:txBody>
       </p:sp>
